--- a/2_DesignDocument/presentation/SE2_DD_slides_SergioSoheil.pptx
+++ b/2_DesignDocument/presentation/SE2_DD_slides_SergioSoheil.pptx
@@ -5397,8 +5397,8 @@
         </p:nvSpPr>
         <p:spPr>
           <a:xfrm>
-            <a:off x="534380" y="1700808"/>
-            <a:ext cx="8075240" cy="4530725"/>
+            <a:off x="534380" y="1628800"/>
+            <a:ext cx="8430108" cy="4824536"/>
           </a:xfrm>
         </p:spPr>
         <p:txBody>
@@ -5409,10 +5409,10 @@
               <a:buNone/>
             </a:pPr>
             <a:r>
-              <a:rPr lang="en-GB" sz="1400" b="1" dirty="0">
+              <a:rPr lang="en-GB" sz="1200" b="1" dirty="0">
                 <a:solidFill>
                   <a:schemeClr val="tx2">
-                    <a:lumMod val="50000"/>
+                    <a:lumMod val="75000"/>
                   </a:schemeClr>
                 </a:solidFill>
                 <a:latin typeface="Consolas" panose="020B0609020204030204" pitchFamily="49" charset="0"/>
@@ -5420,42 +5420,42 @@
               <a:t>function </a:t>
             </a:r>
             <a:r>
-              <a:rPr lang="en-GB" sz="1400" b="1" dirty="0" err="1">
+              <a:rPr lang="en-GB" sz="1200" b="1" dirty="0" err="1">
                 <a:solidFill>
                   <a:schemeClr val="tx2">
-                    <a:lumMod val="50000"/>
+                    <a:lumMod val="75000"/>
                   </a:schemeClr>
                 </a:solidFill>
                 <a:latin typeface="Consolas" panose="020B0609020204030204" pitchFamily="49" charset="0"/>
               </a:rPr>
-              <a:t>unlockTheCar</a:t>
-            </a:r>
-            <a:r>
-              <a:rPr lang="en-GB" sz="1400" b="1" dirty="0">
+              <a:t>calculateFinalAmount</a:t>
+            </a:r>
+            <a:r>
+              <a:rPr lang="en-GB" sz="1200" b="1" dirty="0">
                 <a:solidFill>
                   <a:schemeClr val="tx2">
-                    <a:lumMod val="50000"/>
+                    <a:lumMod val="75000"/>
                   </a:schemeClr>
                 </a:solidFill>
                 <a:latin typeface="Consolas" panose="020B0609020204030204" pitchFamily="49" charset="0"/>
               </a:rPr>
-              <a:t>(user, car)</a:t>
-            </a:r>
-            <a:r>
-              <a:rPr lang="en-GB" sz="1400" dirty="0">
+              <a:t>(car)</a:t>
+            </a:r>
+            <a:r>
+              <a:rPr lang="en-GB" sz="1200" dirty="0">
                 <a:solidFill>
                   <a:schemeClr val="tx2">
-                    <a:lumMod val="50000"/>
+                    <a:lumMod val="75000"/>
                   </a:schemeClr>
                 </a:solidFill>
                 <a:latin typeface="Consolas" panose="020B0609020204030204" pitchFamily="49" charset="0"/>
               </a:rPr>
               <a:t> {</a:t>
             </a:r>
-            <a:endParaRPr lang="it-IT" sz="1400" dirty="0">
+            <a:endParaRPr lang="it-IT" sz="1200" dirty="0">
               <a:solidFill>
                 <a:schemeClr val="tx2">
-                  <a:lumMod val="50000"/>
+                  <a:lumMod val="75000"/>
                 </a:schemeClr>
               </a:solidFill>
               <a:latin typeface="Consolas" panose="020B0609020204030204" pitchFamily="49" charset="0"/>
@@ -5466,42 +5466,64 @@
               <a:buNone/>
             </a:pPr>
             <a:r>
-              <a:rPr lang="en-GB" sz="1400" dirty="0">
+              <a:rPr lang="en-GB" sz="1200" dirty="0">
                 <a:solidFill>
                   <a:schemeClr val="tx2">
-                    <a:lumMod val="50000"/>
+                    <a:lumMod val="75000"/>
                   </a:schemeClr>
                 </a:solidFill>
                 <a:latin typeface="Consolas" panose="020B0609020204030204" pitchFamily="49" charset="0"/>
               </a:rPr>
-              <a:t>  distance = </a:t>
-            </a:r>
-            <a:r>
-              <a:rPr lang="en-GB" sz="1400" dirty="0" err="1">
+              <a:t>  float </a:t>
+            </a:r>
+            <a:r>
+              <a:rPr lang="en-GB" sz="1200" dirty="0" err="1">
                 <a:solidFill>
                   <a:schemeClr val="tx2">
-                    <a:lumMod val="50000"/>
+                    <a:lumMod val="75000"/>
                   </a:schemeClr>
                 </a:solidFill>
                 <a:latin typeface="Consolas" panose="020B0609020204030204" pitchFamily="49" charset="0"/>
               </a:rPr>
-              <a:t>checkDistanceBetween</a:t>
-            </a:r>
-            <a:r>
-              <a:rPr lang="en-GB" sz="1400" dirty="0">
+              <a:t>timeUsed</a:t>
+            </a:r>
+            <a:r>
+              <a:rPr lang="en-GB" sz="1200" dirty="0">
                 <a:solidFill>
                   <a:schemeClr val="tx2">
-                    <a:lumMod val="50000"/>
+                    <a:lumMod val="75000"/>
                   </a:schemeClr>
                 </a:solidFill>
                 <a:latin typeface="Consolas" panose="020B0609020204030204" pitchFamily="49" charset="0"/>
               </a:rPr>
-              <a:t>(user, car);</a:t>
-            </a:r>
-            <a:endParaRPr lang="it-IT" sz="1400" dirty="0">
+              <a:t> = </a:t>
+            </a:r>
+            <a:r>
+              <a:rPr lang="en-GB" sz="1200" dirty="0" err="1">
+                <a:solidFill>
+                  <a:schemeClr val="tx2">
+                    <a:lumMod val="75000"/>
+                  </a:schemeClr>
+                </a:solidFill>
+                <a:latin typeface="Consolas" panose="020B0609020204030204" pitchFamily="49" charset="0"/>
+              </a:rPr>
+              <a:t>car.getTripLength</a:t>
+            </a:r>
+            <a:r>
+              <a:rPr lang="en-GB" sz="1200" dirty="0">
+                <a:solidFill>
+                  <a:schemeClr val="tx2">
+                    <a:lumMod val="75000"/>
+                  </a:schemeClr>
+                </a:solidFill>
+                <a:latin typeface="Consolas" panose="020B0609020204030204" pitchFamily="49" charset="0"/>
+              </a:rPr>
+              <a:t>();</a:t>
+            </a:r>
+            <a:endParaRPr lang="it-IT" sz="1200" dirty="0">
               <a:solidFill>
                 <a:schemeClr val="tx2">
-                  <a:lumMod val="50000"/>
+                  <a:lumMod val="75000"/>
                 </a:schemeClr>
               </a:solidFill>
               <a:latin typeface="Consolas" panose="020B0609020204030204" pitchFamily="49" charset="0"/>
@@ -5512,20 +5534,108 @@
               <a:buNone/>
             </a:pPr>
             <a:r>
-              <a:rPr lang="en-GB" sz="1400" dirty="0">
+              <a:rPr lang="en-GB" sz="1200" dirty="0">
                 <a:solidFill>
                   <a:schemeClr val="tx2">
-                    <a:lumMod val="50000"/>
+                    <a:lumMod val="75000"/>
                   </a:schemeClr>
                 </a:solidFill>
                 <a:latin typeface="Consolas" panose="020B0609020204030204" pitchFamily="49" charset="0"/>
               </a:rPr>
-              <a:t>  if (distance &lt; 10) {</a:t>
-            </a:r>
-            <a:endParaRPr lang="it-IT" sz="1400" dirty="0">
+              <a:t>  float </a:t>
+            </a:r>
+            <a:r>
+              <a:rPr lang="en-GB" sz="1200" dirty="0" err="1">
+                <a:solidFill>
+                  <a:schemeClr val="tx2">
+                    <a:lumMod val="75000"/>
+                  </a:schemeClr>
+                </a:solidFill>
+                <a:latin typeface="Consolas" panose="020B0609020204030204" pitchFamily="49" charset="0"/>
+              </a:rPr>
+              <a:t>passengerDiscount</a:t>
+            </a:r>
+            <a:r>
+              <a:rPr lang="en-GB" sz="1200" dirty="0">
+                <a:solidFill>
+                  <a:schemeClr val="tx2">
+                    <a:lumMod val="75000"/>
+                  </a:schemeClr>
+                </a:solidFill>
+                <a:latin typeface="Consolas" panose="020B0609020204030204" pitchFamily="49" charset="0"/>
+              </a:rPr>
+              <a:t> = 0, </a:t>
+            </a:r>
+            <a:r>
+              <a:rPr lang="en-GB" sz="1200" dirty="0" err="1">
+                <a:solidFill>
+                  <a:schemeClr val="tx2">
+                    <a:lumMod val="75000"/>
+                  </a:schemeClr>
+                </a:solidFill>
+                <a:latin typeface="Consolas" panose="020B0609020204030204" pitchFamily="49" charset="0"/>
+              </a:rPr>
+              <a:t>batteryDiscount</a:t>
+            </a:r>
+            <a:r>
+              <a:rPr lang="en-GB" sz="1200" dirty="0">
+                <a:solidFill>
+                  <a:schemeClr val="tx2">
+                    <a:lumMod val="75000"/>
+                  </a:schemeClr>
+                </a:solidFill>
+                <a:latin typeface="Consolas" panose="020B0609020204030204" pitchFamily="49" charset="0"/>
+              </a:rPr>
+              <a:t> = 0, </a:t>
+            </a:r>
+            <a:r>
+              <a:rPr lang="en-GB" sz="1200" dirty="0" err="1">
+                <a:solidFill>
+                  <a:schemeClr val="tx2">
+                    <a:lumMod val="75000"/>
+                  </a:schemeClr>
+                </a:solidFill>
+                <a:latin typeface="Consolas" panose="020B0609020204030204" pitchFamily="49" charset="0"/>
+              </a:rPr>
+              <a:t>plugDiscount</a:t>
+            </a:r>
+            <a:r>
+              <a:rPr lang="en-GB" sz="1200" dirty="0">
+                <a:solidFill>
+                  <a:schemeClr val="tx2">
+                    <a:lumMod val="75000"/>
+                  </a:schemeClr>
+                </a:solidFill>
+                <a:latin typeface="Consolas" panose="020B0609020204030204" pitchFamily="49" charset="0"/>
+              </a:rPr>
+              <a:t> = 0, </a:t>
+            </a:r>
+            <a:r>
+              <a:rPr lang="en-GB" sz="1200" dirty="0" err="1">
+                <a:solidFill>
+                  <a:schemeClr val="tx2">
+                    <a:lumMod val="75000"/>
+                  </a:schemeClr>
+                </a:solidFill>
+                <a:latin typeface="Consolas" panose="020B0609020204030204" pitchFamily="49" charset="0"/>
+              </a:rPr>
+              <a:t>lowBatteryFee</a:t>
+            </a:r>
+            <a:r>
+              <a:rPr lang="en-GB" sz="1200" dirty="0">
+                <a:solidFill>
+                  <a:schemeClr val="tx2">
+                    <a:lumMod val="75000"/>
+                  </a:schemeClr>
+                </a:solidFill>
+                <a:latin typeface="Consolas" panose="020B0609020204030204" pitchFamily="49" charset="0"/>
+              </a:rPr>
+              <a:t> = 0;</a:t>
+            </a:r>
+            <a:endParaRPr lang="it-IT" sz="1200" dirty="0">
               <a:solidFill>
                 <a:schemeClr val="tx2">
-                  <a:lumMod val="50000"/>
+                  <a:lumMod val="75000"/>
                 </a:schemeClr>
               </a:solidFill>
               <a:latin typeface="Consolas" panose="020B0609020204030204" pitchFamily="49" charset="0"/>
@@ -5536,42 +5646,64 @@
               <a:buNone/>
             </a:pPr>
             <a:r>
-              <a:rPr lang="en-GB" sz="1400" dirty="0">
+              <a:rPr lang="en-GB" sz="1200" dirty="0">
                 <a:solidFill>
                   <a:schemeClr val="tx2">
-                    <a:lumMod val="50000"/>
+                    <a:lumMod val="75000"/>
                   </a:schemeClr>
                 </a:solidFill>
                 <a:latin typeface="Consolas" panose="020B0609020204030204" pitchFamily="49" charset="0"/>
               </a:rPr>
-              <a:t>    </a:t>
-            </a:r>
-            <a:r>
-              <a:rPr lang="en-GB" sz="1400" dirty="0" err="1">
+              <a:t>  float total = </a:t>
+            </a:r>
+            <a:r>
+              <a:rPr lang="en-GB" sz="1200" dirty="0" err="1">
                 <a:solidFill>
                   <a:schemeClr val="tx2">
-                    <a:lumMod val="50000"/>
+                    <a:lumMod val="75000"/>
                   </a:schemeClr>
                 </a:solidFill>
                 <a:latin typeface="Consolas" panose="020B0609020204030204" pitchFamily="49" charset="0"/>
               </a:rPr>
-              <a:t>car.unlock</a:t>
-            </a:r>
-            <a:r>
-              <a:rPr lang="en-GB" sz="1400" dirty="0">
+              <a:t>timeUsed</a:t>
+            </a:r>
+            <a:r>
+              <a:rPr lang="en-GB" sz="1200" dirty="0">
                 <a:solidFill>
                   <a:schemeClr val="tx2">
-                    <a:lumMod val="50000"/>
+                    <a:lumMod val="75000"/>
                   </a:schemeClr>
                 </a:solidFill>
                 <a:latin typeface="Consolas" panose="020B0609020204030204" pitchFamily="49" charset="0"/>
               </a:rPr>
-              <a:t>();</a:t>
-            </a:r>
-            <a:endParaRPr lang="it-IT" sz="1400" dirty="0">
+              <a:t> * </a:t>
+            </a:r>
+            <a:r>
+              <a:rPr lang="en-GB" sz="1200" dirty="0" err="1">
+                <a:solidFill>
+                  <a:schemeClr val="tx2">
+                    <a:lumMod val="75000"/>
+                  </a:schemeClr>
+                </a:solidFill>
+                <a:latin typeface="Consolas" panose="020B0609020204030204" pitchFamily="49" charset="0"/>
+              </a:rPr>
+              <a:t>System.pricePerMinute</a:t>
+            </a:r>
+            <a:r>
+              <a:rPr lang="en-GB" sz="1200" dirty="0">
+                <a:solidFill>
+                  <a:schemeClr val="tx2">
+                    <a:lumMod val="75000"/>
+                  </a:schemeClr>
+                </a:solidFill>
+                <a:latin typeface="Consolas" panose="020B0609020204030204" pitchFamily="49" charset="0"/>
+              </a:rPr>
+              <a:t>;</a:t>
+            </a:r>
+            <a:endParaRPr lang="it-IT" sz="1200" dirty="0">
               <a:solidFill>
                 <a:schemeClr val="tx2">
-                  <a:lumMod val="50000"/>
+                  <a:lumMod val="75000"/>
                 </a:schemeClr>
               </a:solidFill>
               <a:latin typeface="Consolas" panose="020B0609020204030204" pitchFamily="49" charset="0"/>
@@ -5582,20 +5714,42 @@
               <a:buNone/>
             </a:pPr>
             <a:r>
-              <a:rPr lang="en-GB" sz="1400" dirty="0">
+              <a:rPr lang="en-GB" sz="1200" dirty="0">
                 <a:solidFill>
                   <a:schemeClr val="tx2">
-                    <a:lumMod val="50000"/>
+                    <a:lumMod val="75000"/>
                   </a:schemeClr>
                 </a:solidFill>
                 <a:latin typeface="Consolas" panose="020B0609020204030204" pitchFamily="49" charset="0"/>
               </a:rPr>
-              <a:t>    return true;</a:t>
-            </a:r>
-            <a:endParaRPr lang="it-IT" sz="1400" dirty="0">
+              <a:t>  if (</a:t>
+            </a:r>
+            <a:r>
+              <a:rPr lang="en-GB" sz="1200" dirty="0" err="1">
+                <a:solidFill>
+                  <a:schemeClr val="tx2">
+                    <a:lumMod val="75000"/>
+                  </a:schemeClr>
+                </a:solidFill>
+                <a:latin typeface="Consolas" panose="020B0609020204030204" pitchFamily="49" charset="0"/>
+              </a:rPr>
+              <a:t>car.getPassengersNum</a:t>
+            </a:r>
+            <a:r>
+              <a:rPr lang="en-GB" sz="1200" dirty="0">
+                <a:solidFill>
+                  <a:schemeClr val="tx2">
+                    <a:lumMod val="75000"/>
+                  </a:schemeClr>
+                </a:solidFill>
+                <a:latin typeface="Consolas" panose="020B0609020204030204" pitchFamily="49" charset="0"/>
+              </a:rPr>
+              <a:t>() &gt; 1) {</a:t>
+            </a:r>
+            <a:endParaRPr lang="it-IT" sz="1200" dirty="0">
               <a:solidFill>
                 <a:schemeClr val="tx2">
-                  <a:lumMod val="50000"/>
+                  <a:lumMod val="75000"/>
                 </a:schemeClr>
               </a:solidFill>
               <a:latin typeface="Consolas" panose="020B0609020204030204" pitchFamily="49" charset="0"/>
@@ -5606,20 +5760,42 @@
               <a:buNone/>
             </a:pPr>
             <a:r>
-              <a:rPr lang="en-GB" sz="1400" dirty="0">
+              <a:rPr lang="en-GB" sz="1200" dirty="0">
                 <a:solidFill>
                   <a:schemeClr val="tx2">
-                    <a:lumMod val="50000"/>
+                    <a:lumMod val="75000"/>
                   </a:schemeClr>
                 </a:solidFill>
                 <a:latin typeface="Consolas" panose="020B0609020204030204" pitchFamily="49" charset="0"/>
               </a:rPr>
-              <a:t>  } else {</a:t>
-            </a:r>
-            <a:endParaRPr lang="it-IT" sz="1400" dirty="0">
+              <a:t>    </a:t>
+            </a:r>
+            <a:r>
+              <a:rPr lang="en-GB" sz="1200" dirty="0" err="1">
+                <a:solidFill>
+                  <a:schemeClr val="tx2">
+                    <a:lumMod val="75000"/>
+                  </a:schemeClr>
+                </a:solidFill>
+                <a:latin typeface="Consolas" panose="020B0609020204030204" pitchFamily="49" charset="0"/>
+              </a:rPr>
+              <a:t>passengerDiscount</a:t>
+            </a:r>
+            <a:r>
+              <a:rPr lang="en-GB" sz="1200" dirty="0">
+                <a:solidFill>
+                  <a:schemeClr val="tx2">
+                    <a:lumMod val="75000"/>
+                  </a:schemeClr>
+                </a:solidFill>
+                <a:latin typeface="Consolas" panose="020B0609020204030204" pitchFamily="49" charset="0"/>
+              </a:rPr>
+              <a:t> = total * 0.1;</a:t>
+            </a:r>
+            <a:endParaRPr lang="it-IT" sz="1200" dirty="0">
               <a:solidFill>
                 <a:schemeClr val="tx2">
-                  <a:lumMod val="50000"/>
+                  <a:lumMod val="75000"/>
                 </a:schemeClr>
               </a:solidFill>
               <a:latin typeface="Consolas" panose="020B0609020204030204" pitchFamily="49" charset="0"/>
@@ -5630,20 +5806,20 @@
               <a:buNone/>
             </a:pPr>
             <a:r>
-              <a:rPr lang="en-GB" sz="1400" dirty="0">
+              <a:rPr lang="en-GB" sz="1200" dirty="0">
                 <a:solidFill>
                   <a:schemeClr val="tx2">
-                    <a:lumMod val="50000"/>
+                    <a:lumMod val="75000"/>
                   </a:schemeClr>
                 </a:solidFill>
                 <a:latin typeface="Consolas" panose="020B0609020204030204" pitchFamily="49" charset="0"/>
               </a:rPr>
-              <a:t>    return false;</a:t>
-            </a:r>
-            <a:endParaRPr lang="it-IT" sz="1400" dirty="0">
+              <a:t>  }</a:t>
+            </a:r>
+            <a:endParaRPr lang="it-IT" sz="1200" dirty="0">
               <a:solidFill>
                 <a:schemeClr val="tx2">
-                  <a:lumMod val="50000"/>
+                  <a:lumMod val="75000"/>
                 </a:schemeClr>
               </a:solidFill>
               <a:latin typeface="Consolas" panose="020B0609020204030204" pitchFamily="49" charset="0"/>
@@ -5654,20 +5830,42 @@
               <a:buNone/>
             </a:pPr>
             <a:r>
-              <a:rPr lang="en-GB" sz="1400" dirty="0">
+              <a:rPr lang="en-GB" sz="1200" dirty="0">
                 <a:solidFill>
                   <a:schemeClr val="tx2">
-                    <a:lumMod val="50000"/>
+                    <a:lumMod val="75000"/>
                   </a:schemeClr>
                 </a:solidFill>
                 <a:latin typeface="Consolas" panose="020B0609020204030204" pitchFamily="49" charset="0"/>
               </a:rPr>
-              <a:t>  }</a:t>
-            </a:r>
-            <a:endParaRPr lang="it-IT" sz="1400" dirty="0">
+              <a:t>  if (</a:t>
+            </a:r>
+            <a:r>
+              <a:rPr lang="en-GB" sz="1200" dirty="0" err="1">
+                <a:solidFill>
+                  <a:schemeClr val="tx2">
+                    <a:lumMod val="75000"/>
+                  </a:schemeClr>
+                </a:solidFill>
+                <a:latin typeface="Consolas" panose="020B0609020204030204" pitchFamily="49" charset="0"/>
+              </a:rPr>
+              <a:t>car.getBatteryLevel</a:t>
+            </a:r>
+            <a:r>
+              <a:rPr lang="en-GB" sz="1200" dirty="0">
+                <a:solidFill>
+                  <a:schemeClr val="tx2">
+                    <a:lumMod val="75000"/>
+                  </a:schemeClr>
+                </a:solidFill>
+                <a:latin typeface="Consolas" panose="020B0609020204030204" pitchFamily="49" charset="0"/>
+              </a:rPr>
+              <a:t>() &gt; 50) {</a:t>
+            </a:r>
+            <a:endParaRPr lang="it-IT" sz="1200" dirty="0">
               <a:solidFill>
                 <a:schemeClr val="tx2">
-                  <a:lumMod val="50000"/>
+                  <a:lumMod val="75000"/>
                 </a:schemeClr>
               </a:solidFill>
               <a:latin typeface="Consolas" panose="020B0609020204030204" pitchFamily="49" charset="0"/>
@@ -5678,20 +5876,42 @@
               <a:buNone/>
             </a:pPr>
             <a:r>
-              <a:rPr lang="en-GB" sz="1400" dirty="0">
+              <a:rPr lang="en-GB" sz="1200" dirty="0">
                 <a:solidFill>
                   <a:schemeClr val="tx2">
-                    <a:lumMod val="50000"/>
+                    <a:lumMod val="75000"/>
                   </a:schemeClr>
                 </a:solidFill>
                 <a:latin typeface="Consolas" panose="020B0609020204030204" pitchFamily="49" charset="0"/>
               </a:rPr>
-              <a:t>}</a:t>
-            </a:r>
-            <a:endParaRPr lang="it-IT" sz="1400" dirty="0">
+              <a:t>    </a:t>
+            </a:r>
+            <a:r>
+              <a:rPr lang="en-GB" sz="1200" dirty="0" err="1">
+                <a:solidFill>
+                  <a:schemeClr val="tx2">
+                    <a:lumMod val="75000"/>
+                  </a:schemeClr>
+                </a:solidFill>
+                <a:latin typeface="Consolas" panose="020B0609020204030204" pitchFamily="49" charset="0"/>
+              </a:rPr>
+              <a:t>batteryDiscount</a:t>
+            </a:r>
+            <a:r>
+              <a:rPr lang="en-GB" sz="1200" dirty="0">
+                <a:solidFill>
+                  <a:schemeClr val="tx2">
+                    <a:lumMod val="75000"/>
+                  </a:schemeClr>
+                </a:solidFill>
+                <a:latin typeface="Consolas" panose="020B0609020204030204" pitchFamily="49" charset="0"/>
+              </a:rPr>
+              <a:t> = total * 0.2;</a:t>
+            </a:r>
+            <a:endParaRPr lang="it-IT" sz="1200" dirty="0">
               <a:solidFill>
                 <a:schemeClr val="tx2">
-                  <a:lumMod val="50000"/>
+                  <a:lumMod val="75000"/>
                 </a:schemeClr>
               </a:solidFill>
               <a:latin typeface="Consolas" panose="020B0609020204030204" pitchFamily="49" charset="0"/>
@@ -5701,10 +5921,21 @@
             <a:pPr marL="0" indent="0">
               <a:buNone/>
             </a:pPr>
-            <a:endParaRPr lang="it-IT" sz="1400" dirty="0">
+            <a:r>
+              <a:rPr lang="en-GB" sz="1200" dirty="0">
+                <a:solidFill>
+                  <a:schemeClr val="tx2">
+                    <a:lumMod val="75000"/>
+                  </a:schemeClr>
+                </a:solidFill>
+                <a:latin typeface="Consolas" panose="020B0609020204030204" pitchFamily="49" charset="0"/>
+              </a:rPr>
+              <a:t>  }</a:t>
+            </a:r>
+            <a:endParaRPr lang="it-IT" sz="1200" dirty="0">
               <a:solidFill>
                 <a:schemeClr val="tx2">
-                  <a:lumMod val="50000"/>
+                  <a:lumMod val="75000"/>
                 </a:schemeClr>
               </a:solidFill>
               <a:latin typeface="Consolas" panose="020B0609020204030204" pitchFamily="49" charset="0"/>
@@ -5714,10 +5945,43 @@
             <a:pPr marL="0" indent="0">
               <a:buNone/>
             </a:pPr>
-            <a:endParaRPr lang="it-IT" sz="1400" dirty="0">
+            <a:r>
+              <a:rPr lang="en-GB" sz="1200" dirty="0">
+                <a:solidFill>
+                  <a:schemeClr val="tx2">
+                    <a:lumMod val="75000"/>
+                  </a:schemeClr>
+                </a:solidFill>
+                <a:latin typeface="Consolas" panose="020B0609020204030204" pitchFamily="49" charset="0"/>
+              </a:rPr>
+              <a:t>  if (</a:t>
+            </a:r>
+            <a:r>
+              <a:rPr lang="en-GB" sz="1200" dirty="0" err="1">
+                <a:solidFill>
+                  <a:schemeClr val="tx2">
+                    <a:lumMod val="75000"/>
+                  </a:schemeClr>
+                </a:solidFill>
+                <a:latin typeface="Consolas" panose="020B0609020204030204" pitchFamily="49" charset="0"/>
+              </a:rPr>
+              <a:t>car.isCharging</a:t>
+            </a:r>
+            <a:r>
+              <a:rPr lang="en-GB" sz="1200" dirty="0">
+                <a:solidFill>
+                  <a:schemeClr val="tx2">
+                    <a:lumMod val="75000"/>
+                  </a:schemeClr>
+                </a:solidFill>
+                <a:latin typeface="Consolas" panose="020B0609020204030204" pitchFamily="49" charset="0"/>
+              </a:rPr>
+              <a:t>() == true) {</a:t>
+            </a:r>
+            <a:endParaRPr lang="it-IT" sz="1200" dirty="0">
               <a:solidFill>
                 <a:schemeClr val="tx2">
-                  <a:lumMod val="50000"/>
+                  <a:lumMod val="75000"/>
                 </a:schemeClr>
               </a:solidFill>
               <a:latin typeface="Consolas" panose="020B0609020204030204" pitchFamily="49" charset="0"/>
@@ -5728,53 +5992,42 @@
               <a:buNone/>
             </a:pPr>
             <a:r>
-              <a:rPr lang="en-GB" sz="1400" b="1" dirty="0">
+              <a:rPr lang="en-GB" sz="1200" dirty="0">
                 <a:solidFill>
                   <a:schemeClr val="tx2">
-                    <a:lumMod val="50000"/>
+                    <a:lumMod val="75000"/>
                   </a:schemeClr>
                 </a:solidFill>
                 <a:latin typeface="Consolas" panose="020B0609020204030204" pitchFamily="49" charset="0"/>
               </a:rPr>
-              <a:t>function </a:t>
-            </a:r>
-            <a:r>
-              <a:rPr lang="en-GB" sz="1400" b="1" dirty="0" err="1">
+              <a:t>    </a:t>
+            </a:r>
+            <a:r>
+              <a:rPr lang="en-GB" sz="1200" dirty="0" err="1">
                 <a:solidFill>
                   <a:schemeClr val="tx2">
-                    <a:lumMod val="50000"/>
+                    <a:lumMod val="75000"/>
                   </a:schemeClr>
                 </a:solidFill>
                 <a:latin typeface="Consolas" panose="020B0609020204030204" pitchFamily="49" charset="0"/>
               </a:rPr>
-              <a:t>checkDistanceBetween</a:t>
-            </a:r>
-            <a:r>
-              <a:rPr lang="en-GB" sz="1400" b="1" dirty="0">
+              <a:t>plugDiscount</a:t>
+            </a:r>
+            <a:r>
+              <a:rPr lang="en-GB" sz="1200" dirty="0">
                 <a:solidFill>
                   <a:schemeClr val="tx2">
-                    <a:lumMod val="50000"/>
+                    <a:lumMod val="75000"/>
                   </a:schemeClr>
                 </a:solidFill>
                 <a:latin typeface="Consolas" panose="020B0609020204030204" pitchFamily="49" charset="0"/>
               </a:rPr>
-              <a:t>(elem1, elem2)</a:t>
-            </a:r>
-            <a:r>
-              <a:rPr lang="en-GB" sz="1400" dirty="0">
-                <a:solidFill>
-                  <a:schemeClr val="tx2">
-                    <a:lumMod val="50000"/>
-                  </a:schemeClr>
-                </a:solidFill>
-                <a:latin typeface="Consolas" panose="020B0609020204030204" pitchFamily="49" charset="0"/>
-              </a:rPr>
-              <a:t> {</a:t>
-            </a:r>
-            <a:endParaRPr lang="it-IT" sz="1400" dirty="0">
+              <a:t> = total * 0.3;</a:t>
+            </a:r>
+            <a:endParaRPr lang="it-IT" sz="1200" dirty="0">
               <a:solidFill>
                 <a:schemeClr val="tx2">
-                  <a:lumMod val="50000"/>
+                  <a:lumMod val="75000"/>
                 </a:schemeClr>
               </a:solidFill>
               <a:latin typeface="Consolas" panose="020B0609020204030204" pitchFamily="49" charset="0"/>
@@ -5785,42 +6038,20 @@
               <a:buNone/>
             </a:pPr>
             <a:r>
-              <a:rPr lang="en-GB" sz="1400" dirty="0">
+              <a:rPr lang="en-GB" sz="1200" dirty="0">
                 <a:solidFill>
                   <a:schemeClr val="tx2">
-                    <a:lumMod val="50000"/>
+                    <a:lumMod val="75000"/>
                   </a:schemeClr>
                 </a:solidFill>
                 <a:latin typeface="Consolas" panose="020B0609020204030204" pitchFamily="49" charset="0"/>
               </a:rPr>
-              <a:t>  float long = </a:t>
-            </a:r>
-            <a:r>
-              <a:rPr lang="en-GB" sz="1400" dirty="0" err="1">
-                <a:solidFill>
-                  <a:schemeClr val="tx2">
-                    <a:lumMod val="50000"/>
-                  </a:schemeClr>
-                </a:solidFill>
-                <a:latin typeface="Consolas" panose="020B0609020204030204" pitchFamily="49" charset="0"/>
-              </a:rPr>
-              <a:t>degreesToKm</a:t>
-            </a:r>
-            <a:r>
-              <a:rPr lang="en-GB" sz="1400" dirty="0">
-                <a:solidFill>
-                  <a:schemeClr val="tx2">
-                    <a:lumMod val="50000"/>
-                  </a:schemeClr>
-                </a:solidFill>
-                <a:latin typeface="Consolas" panose="020B0609020204030204" pitchFamily="49" charset="0"/>
-              </a:rPr>
-              <a:t>(abs(elem1.getLongitude() - elem2.getLongitude()));</a:t>
-            </a:r>
-            <a:endParaRPr lang="it-IT" sz="1400" dirty="0">
+              <a:t>  }</a:t>
+            </a:r>
+            <a:endParaRPr lang="it-IT" sz="1200" dirty="0">
               <a:solidFill>
                 <a:schemeClr val="tx2">
-                  <a:lumMod val="50000"/>
+                  <a:lumMod val="75000"/>
                 </a:schemeClr>
               </a:solidFill>
               <a:latin typeface="Consolas" panose="020B0609020204030204" pitchFamily="49" charset="0"/>
@@ -5831,64 +6062,124 @@
               <a:buNone/>
             </a:pPr>
             <a:r>
-              <a:rPr lang="en-GB" sz="1400" dirty="0">
+              <a:rPr lang="en-GB" sz="1200" dirty="0">
                 <a:solidFill>
                   <a:schemeClr val="tx2">
-                    <a:lumMod val="50000"/>
+                    <a:lumMod val="75000"/>
                   </a:schemeClr>
                 </a:solidFill>
                 <a:latin typeface="Consolas" panose="020B0609020204030204" pitchFamily="49" charset="0"/>
               </a:rPr>
-              <a:t>  float </a:t>
-            </a:r>
-            <a:r>
-              <a:rPr lang="en-GB" sz="1400" dirty="0" err="1">
+              <a:t>  if (</a:t>
+            </a:r>
+            <a:r>
+              <a:rPr lang="en-GB" sz="1200" dirty="0" err="1">
                 <a:solidFill>
                   <a:schemeClr val="tx2">
-                    <a:lumMod val="50000"/>
+                    <a:lumMod val="75000"/>
                   </a:schemeClr>
                 </a:solidFill>
                 <a:latin typeface="Consolas" panose="020B0609020204030204" pitchFamily="49" charset="0"/>
               </a:rPr>
-              <a:t>lat</a:t>
-            </a:r>
-            <a:r>
-              <a:rPr lang="en-GB" sz="1400" dirty="0">
+              <a:t>car.getBatteryLevel</a:t>
+            </a:r>
+            <a:r>
+              <a:rPr lang="en-GB" sz="1200" dirty="0">
                 <a:solidFill>
                   <a:schemeClr val="tx2">
-                    <a:lumMod val="50000"/>
+                    <a:lumMod val="75000"/>
                   </a:schemeClr>
                 </a:solidFill>
                 <a:latin typeface="Consolas" panose="020B0609020204030204" pitchFamily="49" charset="0"/>
               </a:rPr>
-              <a:t> = </a:t>
-            </a:r>
-            <a:r>
-              <a:rPr lang="en-GB" sz="1400" dirty="0" err="1">
+              <a:t>() &lt; 20 and </a:t>
+            </a:r>
+          </a:p>
+          <a:p>
+            <a:pPr marL="0" indent="0">
+              <a:buNone/>
+            </a:pPr>
+            <a:r>
+              <a:rPr lang="en-GB" sz="1200" dirty="0">
                 <a:solidFill>
                   <a:schemeClr val="tx2">
-                    <a:lumMod val="50000"/>
+                    <a:lumMod val="75000"/>
                   </a:schemeClr>
                 </a:solidFill>
                 <a:latin typeface="Consolas" panose="020B0609020204030204" pitchFamily="49" charset="0"/>
               </a:rPr>
-              <a:t>degreesToKm</a:t>
-            </a:r>
-            <a:r>
-              <a:rPr lang="en-GB" sz="1400" dirty="0">
+              <a:t>      </a:t>
+            </a:r>
+            <a:r>
+              <a:rPr lang="en-GB" sz="1200" dirty="0" err="1">
                 <a:solidFill>
                   <a:schemeClr val="tx2">
-                    <a:lumMod val="50000"/>
+                    <a:lumMod val="75000"/>
                   </a:schemeClr>
                 </a:solidFill>
                 <a:latin typeface="Consolas" panose="020B0609020204030204" pitchFamily="49" charset="0"/>
               </a:rPr>
-              <a:t>(abs(elem1.getLatitude() - elem2.getLatitude()));</a:t>
-            </a:r>
-            <a:endParaRPr lang="it-IT" sz="1400" dirty="0">
+              <a:t>checkDistanceBetween</a:t>
+            </a:r>
+            <a:r>
+              <a:rPr lang="en-GB" sz="1200" dirty="0">
+                <a:solidFill>
+                  <a:schemeClr val="tx2">
+                    <a:lumMod val="75000"/>
+                  </a:schemeClr>
+                </a:solidFill>
+                <a:latin typeface="Consolas" panose="020B0609020204030204" pitchFamily="49" charset="0"/>
+              </a:rPr>
+              <a:t>(</a:t>
+            </a:r>
+            <a:r>
+              <a:rPr lang="en-GB" sz="1200" dirty="0" err="1">
+                <a:solidFill>
+                  <a:schemeClr val="tx2">
+                    <a:lumMod val="75000"/>
+                  </a:schemeClr>
+                </a:solidFill>
+                <a:latin typeface="Consolas" panose="020B0609020204030204" pitchFamily="49" charset="0"/>
+              </a:rPr>
+              <a:t>findClosestStation</a:t>
+            </a:r>
+            <a:r>
+              <a:rPr lang="en-GB" sz="1200" dirty="0">
+                <a:solidFill>
+                  <a:schemeClr val="tx2">
+                    <a:lumMod val="75000"/>
+                  </a:schemeClr>
+                </a:solidFill>
+                <a:latin typeface="Consolas" panose="020B0609020204030204" pitchFamily="49" charset="0"/>
+              </a:rPr>
+              <a:t>(</a:t>
+            </a:r>
+            <a:r>
+              <a:rPr lang="en-GB" sz="1200" dirty="0" err="1">
+                <a:solidFill>
+                  <a:schemeClr val="tx2">
+                    <a:lumMod val="75000"/>
+                  </a:schemeClr>
+                </a:solidFill>
+                <a:latin typeface="Consolas" panose="020B0609020204030204" pitchFamily="49" charset="0"/>
+              </a:rPr>
+              <a:t>car.getPosition</a:t>
+            </a:r>
+            <a:r>
+              <a:rPr lang="en-GB" sz="1200" dirty="0">
+                <a:solidFill>
+                  <a:schemeClr val="tx2">
+                    <a:lumMod val="75000"/>
+                  </a:schemeClr>
+                </a:solidFill>
+                <a:latin typeface="Consolas" panose="020B0609020204030204" pitchFamily="49" charset="0"/>
+              </a:rPr>
+              <a:t>()), car) &gt; 3) {</a:t>
+            </a:r>
+            <a:endParaRPr lang="it-IT" sz="1200" dirty="0">
               <a:solidFill>
                 <a:schemeClr val="tx2">
-                  <a:lumMod val="50000"/>
+                  <a:lumMod val="75000"/>
                 </a:schemeClr>
               </a:solidFill>
               <a:latin typeface="Consolas" panose="020B0609020204030204" pitchFamily="49" charset="0"/>
@@ -5899,20 +6190,42 @@
               <a:buNone/>
             </a:pPr>
             <a:r>
-              <a:rPr lang="en-GB" sz="1400" dirty="0">
+              <a:rPr lang="en-GB" sz="1200" dirty="0">
                 <a:solidFill>
                   <a:schemeClr val="tx2">
-                    <a:lumMod val="50000"/>
+                    <a:lumMod val="75000"/>
                   </a:schemeClr>
                 </a:solidFill>
                 <a:latin typeface="Consolas" panose="020B0609020204030204" pitchFamily="49" charset="0"/>
               </a:rPr>
-              <a:t>  distance = sqrt(long^2+lat^2); // Euclidean distance</a:t>
-            </a:r>
-            <a:endParaRPr lang="it-IT" sz="1400" dirty="0">
+              <a:t>    </a:t>
+            </a:r>
+            <a:r>
+              <a:rPr lang="en-GB" sz="1200" dirty="0" err="1">
+                <a:solidFill>
+                  <a:schemeClr val="tx2">
+                    <a:lumMod val="75000"/>
+                  </a:schemeClr>
+                </a:solidFill>
+                <a:latin typeface="Consolas" panose="020B0609020204030204" pitchFamily="49" charset="0"/>
+              </a:rPr>
+              <a:t>lowBatteryFee</a:t>
+            </a:r>
+            <a:r>
+              <a:rPr lang="en-GB" sz="1200" dirty="0">
+                <a:solidFill>
+                  <a:schemeClr val="tx2">
+                    <a:lumMod val="75000"/>
+                  </a:schemeClr>
+                </a:solidFill>
+                <a:latin typeface="Consolas" panose="020B0609020204030204" pitchFamily="49" charset="0"/>
+              </a:rPr>
+              <a:t> = total * 0.3;</a:t>
+            </a:r>
+            <a:endParaRPr lang="it-IT" sz="1200" dirty="0">
               <a:solidFill>
                 <a:schemeClr val="tx2">
-                  <a:lumMod val="50000"/>
+                  <a:lumMod val="75000"/>
                 </a:schemeClr>
               </a:solidFill>
               <a:latin typeface="Consolas" panose="020B0609020204030204" pitchFamily="49" charset="0"/>
@@ -5923,20 +6236,20 @@
               <a:buNone/>
             </a:pPr>
             <a:r>
-              <a:rPr lang="en-GB" sz="1400" dirty="0">
+              <a:rPr lang="en-GB" sz="1200" dirty="0">
                 <a:solidFill>
                   <a:schemeClr val="tx2">
-                    <a:lumMod val="50000"/>
+                    <a:lumMod val="75000"/>
                   </a:schemeClr>
                 </a:solidFill>
                 <a:latin typeface="Consolas" panose="020B0609020204030204" pitchFamily="49" charset="0"/>
               </a:rPr>
-              <a:t>  return distance;</a:t>
-            </a:r>
-            <a:endParaRPr lang="it-IT" sz="1400" dirty="0">
+              <a:t>  }</a:t>
+            </a:r>
+            <a:endParaRPr lang="it-IT" sz="1200" dirty="0">
               <a:solidFill>
                 <a:schemeClr val="tx2">
-                  <a:lumMod val="50000"/>
+                  <a:lumMod val="75000"/>
                 </a:schemeClr>
               </a:solidFill>
               <a:latin typeface="Consolas" panose="020B0609020204030204" pitchFamily="49" charset="0"/>
@@ -5947,20 +6260,130 @@
               <a:buNone/>
             </a:pPr>
             <a:r>
-              <a:rPr lang="en-GB" sz="1400" dirty="0">
+              <a:rPr lang="en-GB" sz="1200" dirty="0">
                 <a:solidFill>
                   <a:schemeClr val="tx2">
-                    <a:lumMod val="50000"/>
+                    <a:lumMod val="75000"/>
                   </a:schemeClr>
                 </a:solidFill>
                 <a:latin typeface="Consolas" panose="020B0609020204030204" pitchFamily="49" charset="0"/>
               </a:rPr>
-              <a:t>}</a:t>
-            </a:r>
-            <a:endParaRPr lang="it-IT" sz="1400" dirty="0">
+              <a:t>  float </a:t>
+            </a:r>
+            <a:r>
+              <a:rPr lang="en-GB" sz="1200" dirty="0" err="1">
+                <a:solidFill>
+                  <a:schemeClr val="tx2">
+                    <a:lumMod val="75000"/>
+                  </a:schemeClr>
+                </a:solidFill>
+                <a:latin typeface="Consolas" panose="020B0609020204030204" pitchFamily="49" charset="0"/>
+              </a:rPr>
+              <a:t>finalCharge</a:t>
+            </a:r>
+            <a:r>
+              <a:rPr lang="en-GB" sz="1200" dirty="0">
+                <a:solidFill>
+                  <a:schemeClr val="tx2">
+                    <a:lumMod val="75000"/>
+                  </a:schemeClr>
+                </a:solidFill>
+                <a:latin typeface="Consolas" panose="020B0609020204030204" pitchFamily="49" charset="0"/>
+              </a:rPr>
+              <a:t> = total – </a:t>
+            </a:r>
+            <a:r>
+              <a:rPr lang="en-GB" sz="1200" dirty="0" err="1">
+                <a:solidFill>
+                  <a:schemeClr val="tx2">
+                    <a:lumMod val="75000"/>
+                  </a:schemeClr>
+                </a:solidFill>
+                <a:latin typeface="Consolas" panose="020B0609020204030204" pitchFamily="49" charset="0"/>
+              </a:rPr>
+              <a:t>passengerDiscount</a:t>
+            </a:r>
+            <a:r>
+              <a:rPr lang="en-GB" sz="1200" dirty="0">
+                <a:solidFill>
+                  <a:schemeClr val="tx2">
+                    <a:lumMod val="75000"/>
+                  </a:schemeClr>
+                </a:solidFill>
+                <a:latin typeface="Consolas" panose="020B0609020204030204" pitchFamily="49" charset="0"/>
+              </a:rPr>
+              <a:t> – </a:t>
+            </a:r>
+            <a:r>
+              <a:rPr lang="en-GB" sz="1200" dirty="0" err="1">
+                <a:solidFill>
+                  <a:schemeClr val="tx2">
+                    <a:lumMod val="75000"/>
+                  </a:schemeClr>
+                </a:solidFill>
+                <a:latin typeface="Consolas" panose="020B0609020204030204" pitchFamily="49" charset="0"/>
+              </a:rPr>
+              <a:t>batteryDiscount</a:t>
+            </a:r>
+            <a:r>
+              <a:rPr lang="en-GB" sz="1200" dirty="0">
+                <a:solidFill>
+                  <a:schemeClr val="tx2">
+                    <a:lumMod val="75000"/>
+                  </a:schemeClr>
+                </a:solidFill>
+                <a:latin typeface="Consolas" panose="020B0609020204030204" pitchFamily="49" charset="0"/>
+              </a:rPr>
+              <a:t> – </a:t>
+            </a:r>
+            <a:r>
+              <a:rPr lang="en-GB" sz="1200" dirty="0" err="1">
+                <a:solidFill>
+                  <a:schemeClr val="tx2">
+                    <a:lumMod val="75000"/>
+                  </a:schemeClr>
+                </a:solidFill>
+                <a:latin typeface="Consolas" panose="020B0609020204030204" pitchFamily="49" charset="0"/>
+              </a:rPr>
+              <a:t>plugDiscount</a:t>
+            </a:r>
+            <a:r>
+              <a:rPr lang="en-GB" sz="1200" dirty="0">
+                <a:solidFill>
+                  <a:schemeClr val="tx2">
+                    <a:lumMod val="75000"/>
+                  </a:schemeClr>
+                </a:solidFill>
+                <a:latin typeface="Consolas" panose="020B0609020204030204" pitchFamily="49" charset="0"/>
+              </a:rPr>
+              <a:t> + </a:t>
+            </a:r>
+            <a:r>
+              <a:rPr lang="en-GB" sz="1200" dirty="0" err="1">
+                <a:solidFill>
+                  <a:schemeClr val="tx2">
+                    <a:lumMod val="75000"/>
+                  </a:schemeClr>
+                </a:solidFill>
+                <a:latin typeface="Consolas" panose="020B0609020204030204" pitchFamily="49" charset="0"/>
+              </a:rPr>
+              <a:t>lowBatteryFee</a:t>
+            </a:r>
+            <a:r>
+              <a:rPr lang="en-GB" sz="1200" dirty="0">
+                <a:solidFill>
+                  <a:schemeClr val="tx2">
+                    <a:lumMod val="75000"/>
+                  </a:schemeClr>
+                </a:solidFill>
+                <a:latin typeface="Consolas" panose="020B0609020204030204" pitchFamily="49" charset="0"/>
+              </a:rPr>
+              <a:t>;</a:t>
+            </a:r>
+            <a:endParaRPr lang="it-IT" sz="1200" dirty="0">
               <a:solidFill>
                 <a:schemeClr val="tx2">
-                  <a:lumMod val="50000"/>
+                  <a:lumMod val="75000"/>
                 </a:schemeClr>
               </a:solidFill>
               <a:latin typeface="Consolas" panose="020B0609020204030204" pitchFamily="49" charset="0"/>
@@ -5970,14 +6393,63 @@
             <a:pPr marL="0" indent="0">
               <a:buNone/>
             </a:pPr>
-            <a:endParaRPr lang="it-IT" sz="1400" dirty="0">
+            <a:r>
+              <a:rPr lang="en-GB" sz="1200" dirty="0">
+                <a:solidFill>
+                  <a:schemeClr val="tx2">
+                    <a:lumMod val="75000"/>
+                  </a:schemeClr>
+                </a:solidFill>
+                <a:latin typeface="Consolas" panose="020B0609020204030204" pitchFamily="49" charset="0"/>
+              </a:rPr>
+              <a:t>  return </a:t>
+            </a:r>
+            <a:r>
+              <a:rPr lang="en-GB" sz="1200" dirty="0" err="1">
+                <a:solidFill>
+                  <a:schemeClr val="tx2">
+                    <a:lumMod val="75000"/>
+                  </a:schemeClr>
+                </a:solidFill>
+                <a:latin typeface="Consolas" panose="020B0609020204030204" pitchFamily="49" charset="0"/>
+              </a:rPr>
+              <a:t>finalCharge</a:t>
+            </a:r>
+            <a:r>
+              <a:rPr lang="en-GB" sz="1200" dirty="0">
+                <a:solidFill>
+                  <a:schemeClr val="tx2">
+                    <a:lumMod val="75000"/>
+                  </a:schemeClr>
+                </a:solidFill>
+                <a:latin typeface="Consolas" panose="020B0609020204030204" pitchFamily="49" charset="0"/>
+              </a:rPr>
+              <a:t>;</a:t>
+            </a:r>
+            <a:endParaRPr lang="it-IT" sz="1200" dirty="0">
               <a:solidFill>
                 <a:schemeClr val="tx2">
-                  <a:lumMod val="50000"/>
+                  <a:lumMod val="75000"/>
                 </a:schemeClr>
               </a:solidFill>
               <a:latin typeface="Consolas" panose="020B0609020204030204" pitchFamily="49" charset="0"/>
             </a:endParaRPr>
+          </a:p>
+          <a:p>
+            <a:pPr marL="0" indent="0">
+              <a:buNone/>
+            </a:pPr>
+            <a:r>
+              <a:rPr lang="en-GB" sz="1200" dirty="0">
+                <a:solidFill>
+                  <a:schemeClr val="tx2">
+                    <a:lumMod val="75000"/>
+                  </a:schemeClr>
+                </a:solidFill>
+                <a:latin typeface="Consolas" panose="020B0609020204030204" pitchFamily="49" charset="0"/>
+              </a:rPr>
+              <a:t>}</a:t>
+            </a:r>
           </a:p>
         </p:txBody>
       </p:sp>
@@ -7945,7 +8417,7 @@
 </file>
 
 <file path=ppt/slides/slide8.xml><?xml version="1.0" encoding="utf-8"?>
-<p:sld xmlns:a="http://schemas.openxmlformats.org/drawingml/2006/main" xmlns:r="http://schemas.openxmlformats.org/officeDocument/2006/relationships" xmlns:p="http://schemas.openxmlformats.org/presentationml/2006/main" show="0">
+<p:sld xmlns:a="http://schemas.openxmlformats.org/drawingml/2006/main" xmlns:r="http://schemas.openxmlformats.org/officeDocument/2006/relationships" xmlns:p="http://schemas.openxmlformats.org/presentationml/2006/main">
   <p:cSld>
     <p:spTree>
       <p:nvGrpSpPr>
@@ -7977,13 +8449,13 @@
           <a:lstStyle/>
           <a:p>
             <a:r>
-              <a:rPr lang="en-US" b="1" dirty="0">
+              <a:rPr lang="en-US" b="1">
                 <a:latin typeface="Arial Narrow" panose="020B0606020202030204" pitchFamily="34" charset="0"/>
               </a:rPr>
               <a:t>INTERFACES</a:t>
             </a:r>
             <a:r>
-              <a:rPr lang="en-US" sz="3200" b="1" dirty="0">
+              <a:rPr lang="en-US" sz="3200" b="1">
                 <a:latin typeface="Arial Narrow" panose="020B0606020202030204" pitchFamily="34" charset="0"/>
               </a:rPr>
               <a:t> AND SOME METHODS</a:t>
@@ -8005,7 +8477,7 @@
         <p:spPr>
           <a:xfrm>
             <a:off x="633061" y="1556792"/>
-            <a:ext cx="2730977" cy="4530725"/>
+            <a:ext cx="3555837" cy="4530725"/>
           </a:xfrm>
         </p:spPr>
         <p:txBody>
@@ -8016,19 +8488,24 @@
               <a:buNone/>
             </a:pPr>
             <a:r>
-              <a:rPr lang="it-IT" sz="2400" b="1" dirty="0" err="1">
-                <a:solidFill>
-                  <a:schemeClr val="accent1">
+              <a:rPr lang="it-IT" sz="2400" b="1" dirty="0">
+                <a:solidFill>
+                  <a:schemeClr val="accent2">
                     <a:lumMod val="50000"/>
                   </a:schemeClr>
                 </a:solidFill>
                 <a:latin typeface="Arial Narrow" panose="020B0606020202030204" pitchFamily="34" charset="0"/>
               </a:rPr>
-              <a:t>WSInterface</a:t>
-            </a:r>
+              <a:t>WSINTERFACE</a:t>
+            </a:r>
+          </a:p>
+          <a:p>
+            <a:pPr marL="0" indent="0">
+              <a:buNone/>
+            </a:pPr>
             <a:endParaRPr lang="it-IT" sz="2400" b="1" dirty="0">
               <a:solidFill>
-                <a:schemeClr val="accent1">
+                <a:schemeClr val="accent2">
                   <a:lumMod val="50000"/>
                 </a:schemeClr>
               </a:solidFill>
@@ -8041,7 +8518,7 @@
             </a:pPr>
             <a:endParaRPr lang="it-IT" sz="2400" b="1" dirty="0">
               <a:solidFill>
-                <a:schemeClr val="accent1">
+                <a:schemeClr val="accent2">
                   <a:lumMod val="50000"/>
                 </a:schemeClr>
               </a:solidFill>
@@ -8052,9 +8529,9 @@
             <a:pPr marL="0" indent="0">
               <a:buNone/>
             </a:pPr>
-            <a:endParaRPr lang="it-IT" sz="2400" b="1" dirty="0">
+            <a:endParaRPr lang="it-IT" sz="1600" b="1" dirty="0">
               <a:solidFill>
-                <a:schemeClr val="accent1">
+                <a:schemeClr val="accent2">
                   <a:lumMod val="50000"/>
                 </a:schemeClr>
               </a:solidFill>
@@ -8065,9 +8542,25 @@
             <a:pPr marL="0" indent="0">
               <a:buNone/>
             </a:pPr>
-            <a:endParaRPr lang="it-IT" sz="1600" b="1" dirty="0">
+            <a:r>
+              <a:rPr lang="it-IT" sz="2400" b="1" dirty="0">
+                <a:solidFill>
+                  <a:schemeClr val="accent2">
+                    <a:lumMod val="50000"/>
+                  </a:schemeClr>
+                </a:solidFill>
+                <a:latin typeface="Arial Narrow" panose="020B0606020202030204" pitchFamily="34" charset="0"/>
+              </a:rPr>
+              <a:t>MANAGEINFORMATION</a:t>
+            </a:r>
+          </a:p>
+          <a:p>
+            <a:pPr marL="0" indent="0">
+              <a:buNone/>
+            </a:pPr>
+            <a:endParaRPr lang="it-IT" sz="2400" b="1" dirty="0">
               <a:solidFill>
-                <a:schemeClr val="accent1">
+                <a:schemeClr val="accent2">
                   <a:lumMod val="50000"/>
                 </a:schemeClr>
               </a:solidFill>
@@ -8078,20 +8571,9 @@
             <a:pPr marL="0" indent="0">
               <a:buNone/>
             </a:pPr>
-            <a:r>
-              <a:rPr lang="it-IT" sz="2400" b="1" dirty="0" err="1">
-                <a:solidFill>
-                  <a:schemeClr val="accent1">
-                    <a:lumMod val="50000"/>
-                  </a:schemeClr>
-                </a:solidFill>
-                <a:latin typeface="Arial Narrow" panose="020B0606020202030204" pitchFamily="34" charset="0"/>
-              </a:rPr>
-              <a:t>ManageInformation</a:t>
-            </a:r>
             <a:endParaRPr lang="it-IT" sz="2400" b="1" dirty="0">
               <a:solidFill>
-                <a:schemeClr val="accent1">
+                <a:schemeClr val="accent2">
                   <a:lumMod val="50000"/>
                 </a:schemeClr>
               </a:solidFill>
@@ -8102,9 +8584,9 @@
             <a:pPr marL="0" indent="0">
               <a:buNone/>
             </a:pPr>
-            <a:endParaRPr lang="it-IT" sz="2400" b="1" dirty="0">
+            <a:endParaRPr lang="it-IT" sz="1600" b="1" dirty="0">
               <a:solidFill>
-                <a:schemeClr val="accent1">
+                <a:schemeClr val="accent2">
                   <a:lumMod val="50000"/>
                 </a:schemeClr>
               </a:solidFill>
@@ -8115,9 +8597,25 @@
             <a:pPr marL="0" indent="0">
               <a:buNone/>
             </a:pPr>
+            <a:r>
+              <a:rPr lang="it-IT" sz="2400" b="1" dirty="0">
+                <a:solidFill>
+                  <a:schemeClr val="accent2">
+                    <a:lumMod val="50000"/>
+                  </a:schemeClr>
+                </a:solidFill>
+                <a:latin typeface="Arial Narrow" panose="020B0606020202030204" pitchFamily="34" charset="0"/>
+              </a:rPr>
+              <a:t>DATAINTERFACE</a:t>
+            </a:r>
+          </a:p>
+          <a:p>
+            <a:pPr marL="0" indent="0">
+              <a:buNone/>
+            </a:pPr>
             <a:endParaRPr lang="it-IT" sz="2400" b="1" dirty="0">
               <a:solidFill>
-                <a:schemeClr val="accent1">
+                <a:schemeClr val="accent2">
                   <a:lumMod val="50000"/>
                 </a:schemeClr>
               </a:solidFill>
@@ -8128,59 +8626,9 @@
             <a:pPr marL="0" indent="0">
               <a:buNone/>
             </a:pPr>
-            <a:endParaRPr lang="it-IT" sz="1600" b="1" dirty="0">
-              <a:solidFill>
-                <a:schemeClr val="accent1">
-                  <a:lumMod val="50000"/>
-                </a:schemeClr>
-              </a:solidFill>
-              <a:latin typeface="Arial Narrow" panose="020B0606020202030204" pitchFamily="34" charset="0"/>
-            </a:endParaRPr>
-          </a:p>
-          <a:p>
-            <a:pPr marL="0" indent="0">
-              <a:buNone/>
-            </a:pPr>
-            <a:r>
-              <a:rPr lang="it-IT" sz="2400" b="1" dirty="0" err="1">
-                <a:solidFill>
-                  <a:schemeClr val="accent1">
-                    <a:lumMod val="50000"/>
-                  </a:schemeClr>
-                </a:solidFill>
-                <a:latin typeface="Arial Narrow" panose="020B0606020202030204" pitchFamily="34" charset="0"/>
-              </a:rPr>
-              <a:t>DataInterface</a:t>
-            </a:r>
             <a:endParaRPr lang="it-IT" sz="2400" b="1" dirty="0">
               <a:solidFill>
-                <a:schemeClr val="accent1">
-                  <a:lumMod val="50000"/>
-                </a:schemeClr>
-              </a:solidFill>
-              <a:latin typeface="Arial Narrow" panose="020B0606020202030204" pitchFamily="34" charset="0"/>
-            </a:endParaRPr>
-          </a:p>
-          <a:p>
-            <a:pPr marL="0" indent="0">
-              <a:buNone/>
-            </a:pPr>
-            <a:endParaRPr lang="it-IT" sz="2400" b="1" dirty="0">
-              <a:solidFill>
-                <a:schemeClr val="accent1">
-                  <a:lumMod val="50000"/>
-                </a:schemeClr>
-              </a:solidFill>
-              <a:latin typeface="Arial Narrow" panose="020B0606020202030204" pitchFamily="34" charset="0"/>
-            </a:endParaRPr>
-          </a:p>
-          <a:p>
-            <a:pPr marL="0" indent="0">
-              <a:buNone/>
-            </a:pPr>
-            <a:endParaRPr lang="it-IT" sz="2400" b="1" dirty="0">
-              <a:solidFill>
-                <a:schemeClr val="accent1">
+                <a:schemeClr val="accent2">
                   <a:lumMod val="50000"/>
                 </a:schemeClr>
               </a:solidFill>
@@ -8215,7 +8663,7 @@
               <a:rPr lang="it-IT" sz="1400" b="1" dirty="0">
                 <a:solidFill>
                   <a:schemeClr val="tx2">
-                    <a:lumMod val="75000"/>
+                    <a:lumMod val="50000"/>
                   </a:schemeClr>
                 </a:solidFill>
                 <a:latin typeface="Arial Narrow" panose="020B0606020202030204" pitchFamily="34" charset="0"/>
@@ -8226,7 +8674,7 @@
               <a:rPr lang="it-IT" sz="1400" b="1" dirty="0" err="1">
                 <a:solidFill>
                   <a:schemeClr val="tx2">
-                    <a:lumMod val="75000"/>
+                    <a:lumMod val="50000"/>
                   </a:schemeClr>
                 </a:solidFill>
                 <a:latin typeface="Arial Narrow" panose="020B0606020202030204" pitchFamily="34" charset="0"/>
@@ -8236,7 +8684,7 @@
             <a:endParaRPr lang="it-IT" sz="1400" b="1" dirty="0">
               <a:solidFill>
                 <a:schemeClr val="tx2">
-                  <a:lumMod val="75000"/>
+                  <a:lumMod val="50000"/>
                 </a:schemeClr>
               </a:solidFill>
               <a:latin typeface="Arial Narrow" panose="020B0606020202030204" pitchFamily="34" charset="0"/>
@@ -8270,7 +8718,7 @@
               <a:rPr lang="it-IT" sz="1400" b="1" dirty="0" err="1">
                 <a:solidFill>
                   <a:schemeClr val="tx2">
-                    <a:lumMod val="75000"/>
+                    <a:lumMod val="50000"/>
                   </a:schemeClr>
                 </a:solidFill>
                 <a:latin typeface="Arial Narrow" panose="020B0606020202030204" pitchFamily="34" charset="0"/>
@@ -8280,7 +8728,7 @@
             <a:endParaRPr lang="it-IT" sz="1400" b="1" dirty="0">
               <a:solidFill>
                 <a:schemeClr val="tx2">
-                  <a:lumMod val="75000"/>
+                  <a:lumMod val="50000"/>
                 </a:schemeClr>
               </a:solidFill>
               <a:latin typeface="Arial Narrow" panose="020B0606020202030204" pitchFamily="34" charset="0"/>
@@ -8314,7 +8762,7 @@
               <a:rPr lang="it-IT" sz="1400" b="1" dirty="0">
                 <a:solidFill>
                   <a:schemeClr val="tx2">
-                    <a:lumMod val="75000"/>
+                    <a:lumMod val="50000"/>
                   </a:schemeClr>
                 </a:solidFill>
                 <a:latin typeface="Arial Narrow" panose="020B0606020202030204" pitchFamily="34" charset="0"/>
@@ -8350,7 +8798,7 @@
               <a:rPr lang="it-IT" sz="1400" b="1" dirty="0">
                 <a:solidFill>
                   <a:schemeClr val="tx2">
-                    <a:lumMod val="75000"/>
+                    <a:lumMod val="50000"/>
                   </a:schemeClr>
                 </a:solidFill>
                 <a:latin typeface="Arial Narrow" panose="020B0606020202030204" pitchFamily="34" charset="0"/>
@@ -8386,7 +8834,7 @@
               <a:rPr lang="it-IT" sz="1400" b="1" dirty="0">
                 <a:solidFill>
                   <a:schemeClr val="tx2">
-                    <a:lumMod val="75000"/>
+                    <a:lumMod val="50000"/>
                   </a:schemeClr>
                 </a:solidFill>
                 <a:latin typeface="Arial Narrow" panose="020B0606020202030204" pitchFamily="34" charset="0"/>
@@ -8422,7 +8870,7 @@
               <a:rPr lang="it-IT" sz="1400" b="1" dirty="0" err="1">
                 <a:solidFill>
                   <a:schemeClr val="tx2">
-                    <a:lumMod val="75000"/>
+                    <a:lumMod val="50000"/>
                   </a:schemeClr>
                 </a:solidFill>
                 <a:latin typeface="Arial Narrow" panose="020B0606020202030204" pitchFamily="34" charset="0"/>
@@ -8432,7 +8880,7 @@
             <a:endParaRPr lang="it-IT" sz="1400" b="1" dirty="0">
               <a:solidFill>
                 <a:schemeClr val="tx2">
-                  <a:lumMod val="75000"/>
+                  <a:lumMod val="50000"/>
                 </a:schemeClr>
               </a:solidFill>
               <a:latin typeface="Arial Narrow" panose="020B0606020202030204" pitchFamily="34" charset="0"/>
@@ -8571,7 +9019,7 @@
         </p:nvSpPr>
         <p:spPr>
           <a:xfrm>
-            <a:off x="915084" y="2073429"/>
+            <a:off x="919096" y="2073622"/>
             <a:ext cx="2624373" cy="923330"/>
           </a:xfrm>
           <a:prstGeom prst="rect">
@@ -8589,10 +9037,10 @@
               <a:buChar char="•"/>
             </a:pPr>
             <a:r>
-              <a:rPr lang="en-GB" b="1" dirty="0" err="1">
-                <a:solidFill>
-                  <a:schemeClr val="tx2">
-                    <a:lumMod val="75000"/>
+              <a:rPr lang="en-GB" dirty="0" err="1">
+                <a:solidFill>
+                  <a:schemeClr val="accent2">
+                    <a:lumMod val="50000"/>
                   </a:schemeClr>
                 </a:solidFill>
                 <a:latin typeface="Calibri" panose="020F0502020204030204" pitchFamily="34" charset="0"/>
@@ -8601,10 +9049,10 @@
               <a:t>logIn</a:t>
             </a:r>
             <a:r>
-              <a:rPr lang="en-GB" b="1" dirty="0">
-                <a:solidFill>
-                  <a:schemeClr val="tx2">
-                    <a:lumMod val="75000"/>
+              <a:rPr lang="en-GB" dirty="0">
+                <a:solidFill>
+                  <a:schemeClr val="accent2">
+                    <a:lumMod val="50000"/>
                   </a:schemeClr>
                 </a:solidFill>
                 <a:latin typeface="Calibri" panose="020F0502020204030204" pitchFamily="34" charset="0"/>
@@ -8619,10 +9067,10 @@
               <a:buChar char="•"/>
             </a:pPr>
             <a:r>
-              <a:rPr lang="en-GB" b="1" dirty="0" err="1">
-                <a:solidFill>
-                  <a:schemeClr val="tx2">
-                    <a:lumMod val="75000"/>
+              <a:rPr lang="en-GB" dirty="0" err="1">
+                <a:solidFill>
+                  <a:schemeClr val="accent2">
+                    <a:lumMod val="50000"/>
                   </a:schemeClr>
                 </a:solidFill>
                 <a:latin typeface="Calibri" panose="020F0502020204030204" pitchFamily="34" charset="0"/>
@@ -8631,10 +9079,10 @@
               <a:t>reserveCar</a:t>
             </a:r>
             <a:r>
-              <a:rPr lang="en-GB" b="1" dirty="0">
-                <a:solidFill>
-                  <a:schemeClr val="tx2">
-                    <a:lumMod val="75000"/>
+              <a:rPr lang="en-GB" dirty="0">
+                <a:solidFill>
+                  <a:schemeClr val="accent2">
+                    <a:lumMod val="50000"/>
                   </a:schemeClr>
                 </a:solidFill>
                 <a:latin typeface="Calibri" panose="020F0502020204030204" pitchFamily="34" charset="0"/>
@@ -8643,10 +9091,10 @@
               <a:t>(user, </a:t>
             </a:r>
             <a:r>
-              <a:rPr lang="en-GB" b="1" dirty="0" err="1">
-                <a:solidFill>
-                  <a:schemeClr val="tx2">
-                    <a:lumMod val="75000"/>
+              <a:rPr lang="en-GB" dirty="0" err="1">
+                <a:solidFill>
+                  <a:schemeClr val="accent2">
+                    <a:lumMod val="50000"/>
                   </a:schemeClr>
                 </a:solidFill>
                 <a:latin typeface="Calibri" panose="020F0502020204030204" pitchFamily="34" charset="0"/>
@@ -8655,10 +9103,10 @@
               <a:t>carId</a:t>
             </a:r>
             <a:r>
-              <a:rPr lang="en-GB" b="1" dirty="0">
-                <a:solidFill>
-                  <a:schemeClr val="tx2">
-                    <a:lumMod val="75000"/>
+              <a:rPr lang="en-GB" dirty="0">
+                <a:solidFill>
+                  <a:schemeClr val="accent2">
+                    <a:lumMod val="50000"/>
                   </a:schemeClr>
                 </a:solidFill>
                 <a:latin typeface="Calibri" panose="020F0502020204030204" pitchFamily="34" charset="0"/>
@@ -8668,8 +9116,8 @@
             </a:r>
             <a:endParaRPr lang="it-IT" dirty="0">
               <a:solidFill>
-                <a:schemeClr val="tx2">
-                  <a:lumMod val="75000"/>
+                <a:schemeClr val="accent2">
+                  <a:lumMod val="50000"/>
                 </a:schemeClr>
               </a:solidFill>
             </a:endParaRPr>
@@ -8680,10 +9128,10 @@
               <a:buChar char="•"/>
             </a:pPr>
             <a:r>
-              <a:rPr lang="en-GB" b="1" dirty="0" err="1">
-                <a:solidFill>
-                  <a:schemeClr val="tx2">
-                    <a:lumMod val="75000"/>
+              <a:rPr lang="en-GB" dirty="0" err="1">
+                <a:solidFill>
+                  <a:schemeClr val="accent2">
+                    <a:lumMod val="50000"/>
                   </a:schemeClr>
                 </a:solidFill>
                 <a:latin typeface="Calibri" panose="020F0502020204030204" pitchFamily="34" charset="0"/>
@@ -8692,10 +9140,10 @@
               <a:t>finishRental</a:t>
             </a:r>
             <a:r>
-              <a:rPr lang="en-GB" b="1" dirty="0">
-                <a:solidFill>
-                  <a:schemeClr val="tx2">
-                    <a:lumMod val="75000"/>
+              <a:rPr lang="en-GB" dirty="0">
+                <a:solidFill>
+                  <a:schemeClr val="accent2">
+                    <a:lumMod val="50000"/>
                   </a:schemeClr>
                 </a:solidFill>
                 <a:latin typeface="Calibri" panose="020F0502020204030204" pitchFamily="34" charset="0"/>
@@ -8705,8 +9153,8 @@
             </a:r>
             <a:endParaRPr lang="it-IT" dirty="0">
               <a:solidFill>
-                <a:schemeClr val="tx2">
-                  <a:lumMod val="75000"/>
+                <a:schemeClr val="accent2">
+                  <a:lumMod val="50000"/>
                 </a:schemeClr>
               </a:solidFill>
             </a:endParaRPr>
@@ -8721,7 +9169,7 @@
         </p:nvSpPr>
         <p:spPr>
           <a:xfrm>
-            <a:off x="928966" y="3679108"/>
+            <a:off x="928966" y="3657798"/>
             <a:ext cx="1598386" cy="923330"/>
           </a:xfrm>
           <a:prstGeom prst="rect">
@@ -8739,10 +9187,10 @@
               <a:buChar char="•"/>
             </a:pPr>
             <a:r>
-              <a:rPr lang="en-GB" b="1" dirty="0">
-                <a:solidFill>
-                  <a:schemeClr val="tx2">
-                    <a:lumMod val="75000"/>
+              <a:rPr lang="en-GB" dirty="0">
+                <a:solidFill>
+                  <a:schemeClr val="accent2">
+                    <a:lumMod val="50000"/>
                   </a:schemeClr>
                 </a:solidFill>
                 <a:latin typeface="Calibri" panose="020F0502020204030204" pitchFamily="34" charset="0"/>
@@ -8757,10 +9205,10 @@
               <a:buChar char="•"/>
             </a:pPr>
             <a:r>
-              <a:rPr lang="en-GB" b="1" dirty="0" err="1">
-                <a:solidFill>
-                  <a:schemeClr val="tx2">
-                    <a:lumMod val="75000"/>
+              <a:rPr lang="en-GB" dirty="0" err="1">
+                <a:solidFill>
+                  <a:schemeClr val="accent2">
+                    <a:lumMod val="50000"/>
                   </a:schemeClr>
                 </a:solidFill>
                 <a:latin typeface="Calibri" panose="020F0502020204030204" pitchFamily="34" charset="0"/>
@@ -8769,10 +9217,10 @@
               <a:t>getAll</a:t>
             </a:r>
             <a:r>
-              <a:rPr lang="en-GB" b="1" dirty="0">
-                <a:solidFill>
-                  <a:schemeClr val="tx2">
-                    <a:lumMod val="75000"/>
+              <a:rPr lang="en-GB" dirty="0">
+                <a:solidFill>
+                  <a:schemeClr val="accent2">
+                    <a:lumMod val="50000"/>
                   </a:schemeClr>
                 </a:solidFill>
                 <a:latin typeface="Calibri" panose="020F0502020204030204" pitchFamily="34" charset="0"/>
@@ -8787,10 +9235,10 @@
               <a:buChar char="•"/>
             </a:pPr>
             <a:r>
-              <a:rPr lang="en-GB" b="1" dirty="0">
-                <a:solidFill>
-                  <a:schemeClr val="tx2">
-                    <a:lumMod val="75000"/>
+              <a:rPr lang="en-GB" dirty="0">
+                <a:solidFill>
+                  <a:schemeClr val="accent2">
+                    <a:lumMod val="50000"/>
                   </a:schemeClr>
                 </a:solidFill>
                 <a:latin typeface="Calibri" panose="020F0502020204030204" pitchFamily="34" charset="0"/>
@@ -8799,10 +9247,10 @@
               <a:t>update(</a:t>
             </a:r>
             <a:r>
-              <a:rPr lang="en-GB" b="1" dirty="0" err="1">
-                <a:solidFill>
-                  <a:schemeClr val="tx2">
-                    <a:lumMod val="75000"/>
+              <a:rPr lang="en-GB" dirty="0" err="1">
+                <a:solidFill>
+                  <a:schemeClr val="accent2">
+                    <a:lumMod val="50000"/>
                   </a:schemeClr>
                 </a:solidFill>
                 <a:latin typeface="Calibri" panose="020F0502020204030204" pitchFamily="34" charset="0"/>
@@ -8811,10 +9259,10 @@
               <a:t>obj</a:t>
             </a:r>
             <a:r>
-              <a:rPr lang="en-GB" b="1" dirty="0">
-                <a:solidFill>
-                  <a:schemeClr val="tx2">
-                    <a:lumMod val="75000"/>
+              <a:rPr lang="en-GB" dirty="0">
+                <a:solidFill>
+                  <a:schemeClr val="accent2">
+                    <a:lumMod val="50000"/>
                   </a:schemeClr>
                 </a:solidFill>
                 <a:latin typeface="Calibri" panose="020F0502020204030204" pitchFamily="34" charset="0"/>
@@ -8822,10 +9270,10 @@
               </a:rPr>
               <a:t>)</a:t>
             </a:r>
-            <a:endParaRPr lang="it-IT" b="1" dirty="0">
+            <a:endParaRPr lang="it-IT" dirty="0">
               <a:solidFill>
-                <a:schemeClr val="tx2">
-                  <a:lumMod val="75000"/>
+                <a:schemeClr val="accent2">
+                  <a:lumMod val="50000"/>
                 </a:schemeClr>
               </a:solidFill>
               <a:latin typeface="Calibri" panose="020F0502020204030204" pitchFamily="34" charset="0"/>
@@ -8842,7 +9290,7 @@
         </p:nvSpPr>
         <p:spPr>
           <a:xfrm>
-            <a:off x="970938" y="5314216"/>
+            <a:off x="970938" y="5241974"/>
             <a:ext cx="2520690" cy="923330"/>
           </a:xfrm>
           <a:prstGeom prst="rect">
@@ -8860,10 +9308,10 @@
               <a:buChar char="•"/>
             </a:pPr>
             <a:r>
-              <a:rPr lang="en-GB" b="1" dirty="0" err="1">
-                <a:solidFill>
-                  <a:schemeClr val="tx2">
-                    <a:lumMod val="75000"/>
+              <a:rPr lang="en-GB" dirty="0" err="1">
+                <a:solidFill>
+                  <a:schemeClr val="accent2">
+                    <a:lumMod val="50000"/>
                   </a:schemeClr>
                 </a:solidFill>
                 <a:latin typeface="Calibri" panose="020F0502020204030204" pitchFamily="34" charset="0"/>
@@ -8872,10 +9320,10 @@
               <a:t>getCarInfo</a:t>
             </a:r>
             <a:r>
-              <a:rPr lang="en-GB" b="1" dirty="0">
-                <a:solidFill>
-                  <a:schemeClr val="tx2">
-                    <a:lumMod val="75000"/>
+              <a:rPr lang="en-GB" dirty="0">
+                <a:solidFill>
+                  <a:schemeClr val="accent2">
+                    <a:lumMod val="50000"/>
                   </a:schemeClr>
                 </a:solidFill>
                 <a:latin typeface="Calibri" panose="020F0502020204030204" pitchFamily="34" charset="0"/>
@@ -8884,10 +9332,10 @@
               <a:t>(</a:t>
             </a:r>
             <a:r>
-              <a:rPr lang="en-GB" b="1" dirty="0" err="1">
-                <a:solidFill>
-                  <a:schemeClr val="tx2">
-                    <a:lumMod val="75000"/>
+              <a:rPr lang="en-GB" dirty="0" err="1">
+                <a:solidFill>
+                  <a:schemeClr val="accent2">
+                    <a:lumMod val="50000"/>
                   </a:schemeClr>
                 </a:solidFill>
                 <a:latin typeface="Calibri" panose="020F0502020204030204" pitchFamily="34" charset="0"/>
@@ -8896,10 +9344,10 @@
               <a:t>carId</a:t>
             </a:r>
             <a:r>
-              <a:rPr lang="en-GB" b="1" dirty="0">
-                <a:solidFill>
-                  <a:schemeClr val="tx2">
-                    <a:lumMod val="75000"/>
+              <a:rPr lang="en-GB" dirty="0">
+                <a:solidFill>
+                  <a:schemeClr val="accent2">
+                    <a:lumMod val="50000"/>
                   </a:schemeClr>
                 </a:solidFill>
                 <a:latin typeface="Calibri" panose="020F0502020204030204" pitchFamily="34" charset="0"/>
@@ -8914,10 +9362,10 @@
               <a:buChar char="•"/>
             </a:pPr>
             <a:r>
-              <a:rPr lang="en-GB" b="1" dirty="0" err="1">
-                <a:solidFill>
-                  <a:schemeClr val="tx2">
-                    <a:lumMod val="75000"/>
+              <a:rPr lang="en-GB" dirty="0" err="1">
+                <a:solidFill>
+                  <a:schemeClr val="accent2">
+                    <a:lumMod val="50000"/>
                   </a:schemeClr>
                 </a:solidFill>
                 <a:latin typeface="Calibri" panose="020F0502020204030204" pitchFamily="34" charset="0"/>
@@ -8926,10 +9374,10 @@
               <a:t>getAllPowerPlugs</a:t>
             </a:r>
             <a:r>
-              <a:rPr lang="en-GB" b="1" dirty="0">
-                <a:solidFill>
-                  <a:schemeClr val="tx2">
-                    <a:lumMod val="75000"/>
+              <a:rPr lang="en-GB" dirty="0">
+                <a:solidFill>
+                  <a:schemeClr val="accent2">
+                    <a:lumMod val="50000"/>
                   </a:schemeClr>
                 </a:solidFill>
                 <a:latin typeface="Calibri" panose="020F0502020204030204" pitchFamily="34" charset="0"/>
@@ -8944,10 +9392,10 @@
               <a:buChar char="•"/>
             </a:pPr>
             <a:r>
-              <a:rPr lang="en-GB" b="1" dirty="0" err="1">
-                <a:solidFill>
-                  <a:schemeClr val="tx2">
-                    <a:lumMod val="75000"/>
+              <a:rPr lang="en-GB" dirty="0" err="1">
+                <a:solidFill>
+                  <a:schemeClr val="accent2">
+                    <a:lumMod val="50000"/>
                   </a:schemeClr>
                 </a:solidFill>
                 <a:latin typeface="Calibri" panose="020F0502020204030204" pitchFamily="34" charset="0"/>
@@ -8956,10 +9404,10 @@
               <a:t>setPowerPlug</a:t>
             </a:r>
             <a:r>
-              <a:rPr lang="en-GB" b="1" dirty="0">
-                <a:solidFill>
-                  <a:schemeClr val="tx2">
-                    <a:lumMod val="75000"/>
+              <a:rPr lang="en-GB" dirty="0">
+                <a:solidFill>
+                  <a:schemeClr val="accent2">
+                    <a:lumMod val="50000"/>
                   </a:schemeClr>
                 </a:solidFill>
                 <a:latin typeface="Calibri" panose="020F0502020204030204" pitchFamily="34" charset="0"/>
@@ -8968,10 +9416,10 @@
               <a:t>(</a:t>
             </a:r>
             <a:r>
-              <a:rPr lang="en-GB" b="1" dirty="0" err="1">
-                <a:solidFill>
-                  <a:schemeClr val="tx2">
-                    <a:lumMod val="75000"/>
+              <a:rPr lang="en-GB" dirty="0" err="1">
+                <a:solidFill>
+                  <a:schemeClr val="accent2">
+                    <a:lumMod val="50000"/>
                   </a:schemeClr>
                 </a:solidFill>
                 <a:latin typeface="Calibri" panose="020F0502020204030204" pitchFamily="34" charset="0"/>
@@ -8980,10 +9428,10 @@
               <a:t>plugId</a:t>
             </a:r>
             <a:r>
-              <a:rPr lang="en-GB" b="1" dirty="0">
-                <a:solidFill>
-                  <a:schemeClr val="tx2">
-                    <a:lumMod val="75000"/>
+              <a:rPr lang="en-GB" dirty="0">
+                <a:solidFill>
+                  <a:schemeClr val="accent2">
+                    <a:lumMod val="50000"/>
                   </a:schemeClr>
                 </a:solidFill>
                 <a:latin typeface="Calibri" panose="020F0502020204030204" pitchFamily="34" charset="0"/>
@@ -8991,10 +9439,10 @@
               </a:rPr>
               <a:t>)</a:t>
             </a:r>
-            <a:endParaRPr lang="it-IT" b="1" dirty="0">
+            <a:endParaRPr lang="it-IT" dirty="0">
               <a:solidFill>
-                <a:schemeClr val="tx2">
-                  <a:lumMod val="75000"/>
+                <a:schemeClr val="accent2">
+                  <a:lumMod val="50000"/>
                 </a:schemeClr>
               </a:solidFill>
               <a:latin typeface="Calibri" panose="020F0502020204030204" pitchFamily="34" charset="0"/>
@@ -9060,14 +9508,14 @@
       </p:sp>
       <p:sp>
         <p:nvSpPr>
-          <p:cNvPr id="5" name="CasellaDiTesto 4"/>
+          <p:cNvPr id="3" name="CasellaDiTesto 2"/>
           <p:cNvSpPr txBox="1"/>
           <p:nvPr/>
         </p:nvSpPr>
         <p:spPr>
           <a:xfrm>
-            <a:off x="2699792" y="2852936"/>
-            <a:ext cx="3339504" cy="646331"/>
+            <a:off x="488884" y="1716465"/>
+            <a:ext cx="1494320" cy="400110"/>
           </a:xfrm>
           <a:prstGeom prst="rect">
             <a:avLst/>
@@ -9081,16 +9529,200 @@
           <a:lstStyle/>
           <a:p>
             <a:r>
-              <a:rPr lang="it-IT" sz="3600" dirty="0"/>
-              <a:t>Text? </a:t>
-            </a:r>
-            <a:r>
-              <a:rPr lang="it-IT" sz="3600" dirty="0" err="1"/>
-              <a:t>Pictures</a:t>
-            </a:r>
-            <a:r>
-              <a:rPr lang="it-IT" sz="3600" dirty="0"/>
-              <a:t>?</a:t>
+              <a:rPr lang="it-IT" sz="2000" b="1" dirty="0">
+                <a:solidFill>
+                  <a:schemeClr val="accent2">
+                    <a:lumMod val="50000"/>
+                  </a:schemeClr>
+                </a:solidFill>
+                <a:latin typeface="Arial Narrow" panose="020B0606020202030204" pitchFamily="34" charset="0"/>
+              </a:rPr>
+              <a:t>Client-Server</a:t>
+            </a:r>
+          </a:p>
+        </p:txBody>
+      </p:sp>
+      <p:sp>
+        <p:nvSpPr>
+          <p:cNvPr id="4" name="CasellaDiTesto 3"/>
+          <p:cNvSpPr txBox="1"/>
+          <p:nvPr/>
+        </p:nvSpPr>
+        <p:spPr>
+          <a:xfrm>
+            <a:off x="494172" y="3390668"/>
+            <a:ext cx="2448272" cy="400110"/>
+          </a:xfrm>
+          <a:prstGeom prst="rect">
+            <a:avLst/>
+          </a:prstGeom>
+          <a:noFill/>
+        </p:spPr>
+        <p:txBody>
+          <a:bodyPr wrap="square" rtlCol="0">
+            <a:spAutoFit/>
+          </a:bodyPr>
+          <a:lstStyle/>
+          <a:p>
+            <a:r>
+              <a:rPr lang="it-IT" sz="2000" b="1" dirty="0">
+                <a:solidFill>
+                  <a:schemeClr val="accent2">
+                    <a:lumMod val="50000"/>
+                  </a:schemeClr>
+                </a:solidFill>
+                <a:latin typeface="Arial Narrow" panose="020B0606020202030204" pitchFamily="34" charset="0"/>
+              </a:rPr>
+              <a:t>Model-</a:t>
+            </a:r>
+            <a:r>
+              <a:rPr lang="it-IT" sz="2000" b="1" dirty="0" err="1">
+                <a:solidFill>
+                  <a:schemeClr val="accent2">
+                    <a:lumMod val="50000"/>
+                  </a:schemeClr>
+                </a:solidFill>
+                <a:latin typeface="Arial Narrow" panose="020B0606020202030204" pitchFamily="34" charset="0"/>
+              </a:rPr>
+              <a:t>View</a:t>
+            </a:r>
+            <a:r>
+              <a:rPr lang="it-IT" sz="2000" b="1" dirty="0">
+                <a:solidFill>
+                  <a:schemeClr val="accent2">
+                    <a:lumMod val="50000"/>
+                  </a:schemeClr>
+                </a:solidFill>
+                <a:latin typeface="Arial Narrow" panose="020B0606020202030204" pitchFamily="34" charset="0"/>
+              </a:rPr>
+              <a:t>-Controller</a:t>
+            </a:r>
+          </a:p>
+        </p:txBody>
+      </p:sp>
+      <p:sp>
+        <p:nvSpPr>
+          <p:cNvPr id="6" name="CasellaDiTesto 5"/>
+          <p:cNvSpPr txBox="1"/>
+          <p:nvPr/>
+        </p:nvSpPr>
+        <p:spPr>
+          <a:xfrm>
+            <a:off x="494172" y="4653136"/>
+            <a:ext cx="2448272" cy="400110"/>
+          </a:xfrm>
+          <a:prstGeom prst="rect">
+            <a:avLst/>
+          </a:prstGeom>
+          <a:noFill/>
+        </p:spPr>
+        <p:txBody>
+          <a:bodyPr wrap="square" rtlCol="0">
+            <a:spAutoFit/>
+          </a:bodyPr>
+          <a:lstStyle/>
+          <a:p>
+            <a:r>
+              <a:rPr lang="it-IT" sz="2000" b="1" dirty="0">
+                <a:solidFill>
+                  <a:schemeClr val="accent2">
+                    <a:lumMod val="50000"/>
+                  </a:schemeClr>
+                </a:solidFill>
+                <a:latin typeface="Arial Narrow" panose="020B0606020202030204" pitchFamily="34" charset="0"/>
+              </a:rPr>
+              <a:t>Data Access Objects</a:t>
+            </a:r>
+          </a:p>
+        </p:txBody>
+      </p:sp>
+      <p:sp>
+        <p:nvSpPr>
+          <p:cNvPr id="8" name="CasellaDiTesto 7"/>
+          <p:cNvSpPr txBox="1"/>
+          <p:nvPr/>
+        </p:nvSpPr>
+        <p:spPr>
+          <a:xfrm>
+            <a:off x="719572" y="2106955"/>
+            <a:ext cx="7704856" cy="1169551"/>
+          </a:xfrm>
+          <a:prstGeom prst="rect">
+            <a:avLst/>
+          </a:prstGeom>
+          <a:noFill/>
+        </p:spPr>
+        <p:txBody>
+          <a:bodyPr wrap="square" rtlCol="0">
+            <a:spAutoFit/>
+          </a:bodyPr>
+          <a:lstStyle/>
+          <a:p>
+            <a:r>
+              <a:rPr lang="en-US" sz="1400" dirty="0">
+                <a:solidFill>
+                  <a:schemeClr val="tx2">
+                    <a:lumMod val="75000"/>
+                  </a:schemeClr>
+                </a:solidFill>
+              </a:rPr>
+              <a:t>Communication between mobile applications and </a:t>
+            </a:r>
+            <a:r>
+              <a:rPr lang="en-US" sz="1400" dirty="0" err="1">
+                <a:solidFill>
+                  <a:schemeClr val="tx2">
+                    <a:lumMod val="75000"/>
+                  </a:schemeClr>
+                </a:solidFill>
+              </a:rPr>
+              <a:t>WebService</a:t>
+            </a:r>
+            <a:r>
+              <a:rPr lang="en-US" sz="1400" dirty="0">
+                <a:solidFill>
+                  <a:schemeClr val="tx2">
+                    <a:lumMod val="75000"/>
+                  </a:schemeClr>
+                </a:solidFill>
+              </a:rPr>
+              <a:t> using JSON.</a:t>
+            </a:r>
+          </a:p>
+          <a:p>
+            <a:r>
+              <a:rPr lang="en-US" sz="1400" dirty="0">
+                <a:solidFill>
+                  <a:schemeClr val="tx2">
+                    <a:lumMod val="75000"/>
+                  </a:schemeClr>
+                </a:solidFill>
+              </a:rPr>
+              <a:t>The Server-side application uses Java EE 7.</a:t>
+            </a:r>
+          </a:p>
+          <a:p>
+            <a:r>
+              <a:rPr lang="en-US" sz="1400" dirty="0">
+                <a:solidFill>
+                  <a:schemeClr val="tx2">
+                    <a:lumMod val="75000"/>
+                  </a:schemeClr>
+                </a:solidFill>
+              </a:rPr>
+              <a:t>Central Application runs on IBM WebSphere Application Server (Liberty profile) that fully supports Java EE 7 and allows the integration with Open Source software.</a:t>
+            </a:r>
+          </a:p>
+          <a:p>
+            <a:r>
+              <a:rPr lang="en-US" sz="1400" dirty="0">
+                <a:solidFill>
+                  <a:schemeClr val="tx2">
+                    <a:lumMod val="75000"/>
+                  </a:schemeClr>
+                </a:solidFill>
+              </a:rPr>
+              <a:t>On the Database Server: IBM WebSphere AS (Liberty profile) and IBM DB2 DBMS.</a:t>
             </a:r>
           </a:p>
         </p:txBody>
